--- a/docs/6-18-15 Experimental Metadata Concepts and Models.pptx
+++ b/docs/6-18-15 Experimental Metadata Concepts and Models.pptx
@@ -764,15 +764,7 @@
             </a:r>
             <a:r>
               <a:rPr lang="en-US" baseline="0" dirty="0" smtClean="0"/>
-              <a:t> we learned in the </a:t>
-            </a:r>
-            <a:r>
-              <a:rPr lang="en-US" baseline="0" dirty="0" smtClean="0"/>
-              <a:t>from </a:t>
-            </a:r>
-            <a:r>
-              <a:rPr lang="en-US" baseline="0" dirty="0" smtClean="0"/>
-              <a:t>of a small glossary/taxonomy of about </a:t>
+              <a:t> we learned in the from of a small glossary/taxonomy of about </a:t>
             </a:r>
             <a:r>
               <a:rPr lang="en-US" sz="1200" b="0" dirty="0" smtClean="0">
@@ -780,29 +772,8 @@
                   <a:srgbClr val="C00000"/>
                 </a:solidFill>
               </a:rPr>
-              <a:t>20 concepts deemed most relevant for an experimental metadata model that is intuitive, generic, extensible, parsimonious, aligned with </a:t>
-            </a:r>
-            <a:r>
-              <a:rPr lang="en-US" sz="1200" b="0" dirty="0" smtClean="0">
-                <a:solidFill>
-                  <a:srgbClr val="C00000"/>
-                </a:solidFill>
-              </a:rPr>
-              <a:t>existing </a:t>
-            </a:r>
-            <a:r>
-              <a:rPr lang="en-US" sz="1200" b="0" dirty="0" smtClean="0">
-                <a:solidFill>
-                  <a:srgbClr val="C00000"/>
-                </a:solidFill>
-              </a:rPr>
-              <a:t>frameworks, and scoped for data entry and discovery </a:t>
-            </a:r>
-            <a:endParaRPr lang="en-US" sz="1200" b="0" dirty="0" smtClean="0">
-              <a:solidFill>
-                <a:srgbClr val="C00000"/>
-              </a:solidFill>
-            </a:endParaRPr>
+              <a:t>20 concepts deemed most relevant for an experimental metadata model that is intuitive, generic, extensible, parsimonious, aligned with existing frameworks, and scoped for data entry and discovery </a:t>
+            </a:r>
           </a:p>
           <a:p>
             <a:endParaRPr lang="en-US" sz="1200" b="0" dirty="0" smtClean="0">
@@ -1573,55 +1544,7 @@
                 <a:ea typeface="+mn-ea"/>
                 <a:cs typeface="+mn-cs"/>
               </a:rPr>
-              <a:t>universal </a:t>
-            </a:r>
-            <a:r>
-              <a:rPr lang="en-US" sz="1200" kern="1200" baseline="0" dirty="0" smtClean="0">
-                <a:solidFill>
-                  <a:schemeClr val="tx1"/>
-                </a:solidFill>
-                <a:effectLst/>
-                <a:latin typeface="+mn-lt"/>
-                <a:ea typeface="+mn-ea"/>
-                <a:cs typeface="+mn-cs"/>
-              </a:rPr>
-              <a:t>paradigm that describes how entities participate in an experiment, and captures the aspects most important for researchers to discover, understand, and analyze it on their terms</a:t>
-            </a:r>
-            <a:r>
-              <a:rPr lang="en-US" sz="1200" kern="1200" baseline="0" dirty="0" smtClean="0">
-                <a:solidFill>
-                  <a:schemeClr val="tx1"/>
-                </a:solidFill>
-                <a:effectLst/>
-                <a:latin typeface="+mn-lt"/>
-                <a:ea typeface="+mn-ea"/>
-                <a:cs typeface="+mn-cs"/>
-              </a:rPr>
-              <a:t>. The </a:t>
-            </a:r>
-            <a:r>
-              <a:rPr lang="en-US" sz="1200" kern="1200" baseline="0" dirty="0" smtClean="0">
-                <a:solidFill>
-                  <a:schemeClr val="tx1"/>
-                </a:solidFill>
-                <a:effectLst/>
-                <a:latin typeface="+mn-lt"/>
-                <a:ea typeface="+mn-ea"/>
-                <a:cs typeface="+mn-cs"/>
-              </a:rPr>
-              <a:t>fundamental pillar of ‘cause and effect’ that underlies empirical </a:t>
-            </a:r>
-            <a:r>
-              <a:rPr lang="en-US" sz="1200" kern="1200" baseline="0" dirty="0" smtClean="0">
-                <a:solidFill>
-                  <a:schemeClr val="tx1"/>
-                </a:solidFill>
-                <a:effectLst/>
-                <a:latin typeface="+mn-lt"/>
-                <a:ea typeface="+mn-ea"/>
-                <a:cs typeface="+mn-cs"/>
-              </a:rPr>
-              <a:t>science.</a:t>
+              <a:t>universal paradigm that describes how entities participate in an experiment, and captures the aspects most important for researchers to discover, understand, and analyze it on their terms. The fundamental pillar of ‘cause and effect’ that underlies empirical science.</a:t>
             </a:r>
           </a:p>
           <a:p>
@@ -1856,15 +1779,19 @@
             </a:pPr>
             <a:r>
               <a:rPr lang="en-US" dirty="0" smtClean="0"/>
-              <a:t>Different color for each ‘level’ in the model - try to keep to 3-4 levels for ease of data collection and </a:t>
-            </a:r>
-            <a:r>
-              <a:rPr lang="en-US" dirty="0" err="1" smtClean="0"/>
-              <a:t>simplifed</a:t>
+              <a:t>Different color for each ‘level’ in the model - try to keep to 3-4 levels for ease of data collection </a:t>
+            </a:r>
+            <a:r>
+              <a:rPr lang="en-US" smtClean="0"/>
+              <a:t>and </a:t>
+            </a:r>
+            <a:r>
+              <a:rPr lang="en-US" smtClean="0"/>
+              <a:t>simplified </a:t>
             </a:r>
             <a:r>
               <a:rPr lang="en-US" dirty="0" smtClean="0"/>
-              <a:t> queries.</a:t>
+              <a:t>queries.</a:t>
             </a:r>
           </a:p>
           <a:p>
@@ -3282,11 +3209,7 @@
             </a:r>
             <a:r>
               <a:rPr lang="en-US" baseline="0" smtClean="0"/>
-              <a:t>the </a:t>
-            </a:r>
-            <a:r>
-              <a:rPr lang="en-US" baseline="0" smtClean="0"/>
-              <a:t>from </a:t>
+              <a:t>the from </a:t>
             </a:r>
             <a:r>
               <a:rPr lang="en-US" baseline="0" dirty="0" smtClean="0"/>
@@ -3298,29 +3221,8 @@
                   <a:srgbClr val="C00000"/>
                 </a:solidFill>
               </a:rPr>
-              <a:t>20 concepts deemed most relevant for an experimental metadata model that is intuitive, generic, extensible, parsimonious, aligned with </a:t>
-            </a:r>
-            <a:r>
-              <a:rPr lang="en-US" sz="1200" b="0" dirty="0" smtClean="0">
-                <a:solidFill>
-                  <a:srgbClr val="C00000"/>
-                </a:solidFill>
-              </a:rPr>
-              <a:t>existing </a:t>
-            </a:r>
-            <a:r>
-              <a:rPr lang="en-US" sz="1200" b="0" dirty="0" smtClean="0">
-                <a:solidFill>
-                  <a:srgbClr val="C00000"/>
-                </a:solidFill>
-              </a:rPr>
-              <a:t>frameworks, and scoped for data entry and discovery </a:t>
-            </a:r>
-            <a:endParaRPr lang="en-US" sz="1200" b="0" dirty="0" smtClean="0">
-              <a:solidFill>
-                <a:srgbClr val="C00000"/>
-              </a:solidFill>
-            </a:endParaRPr>
+              <a:t>20 concepts deemed most relevant for an experimental metadata model that is intuitive, generic, extensible, parsimonious, aligned with existing frameworks, and scoped for data entry and discovery </a:t>
+            </a:r>
           </a:p>
           <a:p>
             <a:endParaRPr lang="en-US" sz="1200" b="0" dirty="0" smtClean="0">
@@ -7231,11 +7133,7 @@
             </a:pPr>
             <a:r>
               <a:rPr lang="en-US" sz="3600" dirty="0" smtClean="0"/>
-              <a:t>Reference  </a:t>
-            </a:r>
-            <a:r>
-              <a:rPr lang="en-US" sz="3600" dirty="0" smtClean="0"/>
-              <a:t>Model of  Experimental Domain</a:t>
+              <a:t>Reference  Model of  Experimental Domain</a:t>
             </a:r>
           </a:p>
           <a:p>
@@ -7483,11 +7381,7 @@
             </a:pPr>
             <a:r>
               <a:rPr lang="en-US" sz="3300" b="1" dirty="0" smtClean="0"/>
-              <a:t>Hierarchical Models of </a:t>
-            </a:r>
-            <a:r>
-              <a:rPr lang="en-US" sz="3300" b="1" dirty="0" smtClean="0"/>
-              <a:t>Key </a:t>
+              <a:t>Hierarchical Models of Key </a:t>
             </a:r>
             <a:r>
               <a:rPr lang="en-US" sz="3300" b="1" dirty="0"/>
@@ -7518,11 +7412,7 @@
             </a:r>
             <a:r>
               <a:rPr lang="en-US" sz="2600" b="1" dirty="0" smtClean="0"/>
-              <a:t>ontological </a:t>
-            </a:r>
-            <a:r>
-              <a:rPr lang="en-US" sz="2600" b="1" dirty="0" smtClean="0"/>
-              <a:t>type hierarchy </a:t>
+              <a:t>ontological type hierarchy </a:t>
             </a:r>
             <a:r>
               <a:rPr lang="en-US" sz="2600" dirty="0" smtClean="0"/>
@@ -9073,15 +8963,7 @@
             <a:pPr algn="ctr"/>
             <a:r>
               <a:rPr lang="en-US" sz="2400" b="1" dirty="0" smtClean="0"/>
-              <a:t>This simple</a:t>
-            </a:r>
-            <a:r>
-              <a:rPr lang="en-US" sz="2400" b="1" dirty="0" smtClean="0"/>
-              <a:t> </a:t>
-            </a:r>
-            <a:r>
-              <a:rPr lang="en-US" sz="2400" b="1" dirty="0" smtClean="0"/>
-              <a:t>model captures minimal </a:t>
+              <a:t>This simple model captures minimal </a:t>
             </a:r>
             <a:r>
               <a:rPr lang="en-US" sz="2400" b="1" dirty="0"/>
@@ -9127,11 +9009,7 @@
           <a:p>
             <a:r>
               <a:rPr lang="en-US" sz="3600" b="1" dirty="0" smtClean="0"/>
-              <a:t>Metadata Record for Exemplar </a:t>
-            </a:r>
-            <a:r>
-              <a:rPr lang="en-US" sz="3600" b="1" dirty="0" smtClean="0"/>
-              <a:t>Experiment</a:t>
+              <a:t>Metadata Record for Exemplar Experiment</a:t>
             </a:r>
             <a:endParaRPr lang="en-US" sz="3600" b="1" dirty="0"/>
           </a:p>
@@ -9239,11 +9117,7 @@
           <a:p>
             <a:r>
               <a:rPr lang="en-US" sz="4000" b="1" dirty="0" smtClean="0"/>
-              <a:t>Additional Variable </a:t>
-            </a:r>
-            <a:r>
-              <a:rPr lang="en-US" sz="4000" b="1" dirty="0" smtClean="0"/>
-              <a:t>Descriptions</a:t>
+              <a:t>Additional Variable Descriptions</a:t>
             </a:r>
             <a:endParaRPr lang="en-US" sz="4000" b="1" dirty="0"/>
           </a:p>
@@ -9314,11 +9188,7 @@
             <a:pPr algn="ctr"/>
             <a:r>
               <a:rPr lang="en-US" sz="2400" b="1" dirty="0" smtClean="0"/>
-              <a:t>Additional properties can be used to </a:t>
-            </a:r>
-            <a:r>
-              <a:rPr lang="en-US" sz="2400" b="1" dirty="0" smtClean="0"/>
-              <a:t>better </a:t>
+              <a:t>Additional properties can be used to better </a:t>
             </a:r>
             <a:r>
               <a:rPr lang="en-US" sz="2400" b="1" dirty="0"/>
@@ -9326,11 +9196,7 @@
             </a:r>
             <a:r>
               <a:rPr lang="en-US" sz="2400" b="1" dirty="0" smtClean="0"/>
-              <a:t>workflow, and provide additional descriptions and identifiers </a:t>
-            </a:r>
-            <a:r>
-              <a:rPr lang="en-US" sz="2400" b="1" dirty="0" smtClean="0"/>
-              <a:t>(</a:t>
+              <a:t>workflow, and provide additional descriptions and identifiers (</a:t>
             </a:r>
             <a:r>
               <a:rPr lang="en-US" sz="2400" b="1" dirty="0" err="1" smtClean="0"/>
@@ -9338,11 +9204,7 @@
             </a:r>
             <a:r>
               <a:rPr lang="en-US" sz="2400" b="1" dirty="0" smtClean="0"/>
-              <a:t> properties </a:t>
-            </a:r>
-            <a:r>
-              <a:rPr lang="en-US" sz="2400" b="1" dirty="0" smtClean="0"/>
-              <a:t>in </a:t>
+              <a:t> properties in </a:t>
             </a:r>
             <a:r>
               <a:rPr lang="en-US" sz="2400" b="1" dirty="0" smtClean="0">
@@ -9899,11 +9761,7 @@
             </a:r>
             <a:r>
               <a:rPr lang="en-US" sz="3800" b="1" dirty="0" smtClean="0"/>
-              <a:t>Variables</a:t>
-            </a:r>
-            <a:r>
-              <a:rPr lang="en-US" sz="3800" b="1" dirty="0" smtClean="0"/>
-              <a:t>’</a:t>
+              <a:t>Variables’</a:t>
             </a:r>
             <a:endParaRPr lang="en-US" sz="3800" b="1" dirty="0"/>
           </a:p>
@@ -10062,15 +9920,7 @@
             </a:pPr>
             <a:r>
               <a:rPr lang="en-US" sz="3400" dirty="0" smtClean="0"/>
-              <a:t>Model uses community ontologies strictly as ‘referenced taxonomies’, </a:t>
-            </a:r>
-            <a:r>
-              <a:rPr lang="en-US" sz="3400" dirty="0" smtClean="0"/>
-              <a:t>to </a:t>
-            </a:r>
-            <a:r>
-              <a:rPr lang="en-US" sz="3400" dirty="0" smtClean="0"/>
-              <a:t>capture </a:t>
+              <a:t>Model uses community ontologies strictly as ‘referenced taxonomies’, to capture </a:t>
             </a:r>
             <a:r>
               <a:rPr lang="en-US" sz="3400" b="1" i="1" dirty="0" smtClean="0"/>
@@ -10086,11 +9936,7 @@
             </a:r>
             <a:r>
               <a:rPr lang="en-US" sz="3400" dirty="0" smtClean="0"/>
-              <a:t>, which increase model complexity and curation burden (SKOS-like approach </a:t>
-            </a:r>
-            <a:r>
-              <a:rPr lang="en-US" sz="3400" dirty="0" smtClean="0"/>
-              <a:t>– could use SKOS in implementation)</a:t>
+              <a:t>, which increase model complexity and curation burden (SKOS-like approach – could use SKOS in implementation)</a:t>
             </a:r>
             <a:endParaRPr lang="en-US" sz="3800" dirty="0"/>
           </a:p>
@@ -12296,11 +12142,7 @@
             </a:r>
             <a:r>
               <a:rPr lang="en-US" dirty="0" smtClean="0"/>
-              <a:t>: </a:t>
-            </a:r>
-            <a:r>
-              <a:rPr lang="en-US" dirty="0" smtClean="0"/>
-              <a:t>When </a:t>
+              <a:t>: When </a:t>
             </a:r>
             <a:r>
               <a:rPr lang="en-US" dirty="0"/>
@@ -12795,23 +12637,7 @@
                   <a:srgbClr val="C00000"/>
                 </a:solidFill>
               </a:rPr>
-              <a:t>Identified ~20 concepts </a:t>
-            </a:r>
-            <a:r>
-              <a:rPr lang="en-US" sz="3300" b="1" dirty="0" smtClean="0">
-                <a:solidFill>
-                  <a:srgbClr val="C00000"/>
-                </a:solidFill>
-              </a:rPr>
-              <a:t>most </a:t>
-            </a:r>
-            <a:r>
-              <a:rPr lang="en-US" sz="3300" b="1" dirty="0" smtClean="0">
-                <a:solidFill>
-                  <a:srgbClr val="C00000"/>
-                </a:solidFill>
-              </a:rPr>
-              <a:t>relevant for an experimental metadata model that is intuitive, generic, extensible, parsimonious, aligned </a:t>
+              <a:t>Identified ~20 concepts most relevant for an experimental metadata model that is intuitive, generic, extensible, parsimonious, aligned </a:t>
             </a:r>
             <a:r>
               <a:rPr lang="en-US" sz="3300" b="1" dirty="0">
@@ -12887,11 +12713,7 @@
             </a:pPr>
             <a:r>
               <a:rPr lang="en-US" sz="3300" b="1" dirty="0" smtClean="0"/>
-              <a:t>Hierarchical Models of </a:t>
-            </a:r>
-            <a:r>
-              <a:rPr lang="en-US" sz="3300" b="1" dirty="0" smtClean="0"/>
-              <a:t>Key </a:t>
+              <a:t>Hierarchical Models of Key </a:t>
             </a:r>
             <a:r>
               <a:rPr lang="en-US" sz="3300" b="1" dirty="0"/>
@@ -12922,11 +12744,7 @@
             </a:r>
             <a:r>
               <a:rPr lang="en-US" sz="2600" b="1" dirty="0" smtClean="0"/>
-              <a:t>ontological </a:t>
-            </a:r>
-            <a:r>
-              <a:rPr lang="en-US" sz="2600" b="1" dirty="0" smtClean="0"/>
-              <a:t>type hierarchy </a:t>
+              <a:t>ontological type hierarchy </a:t>
             </a:r>
             <a:r>
               <a:rPr lang="en-US" sz="2600" dirty="0" smtClean="0"/>
@@ -13005,11 +12823,7 @@
             </a:r>
             <a:r>
               <a:rPr lang="en-US" sz="2600" dirty="0" smtClean="0"/>
-              <a:t>that organizes these concepts for the purpose of collecting and structuring </a:t>
-            </a:r>
-            <a:r>
-              <a:rPr lang="en-US" sz="2600" dirty="0" smtClean="0"/>
-              <a:t>metadata</a:t>
+              <a:t>that organizes these concepts for the purpose of collecting and structuring metadata</a:t>
             </a:r>
           </a:p>
           <a:p>
@@ -15586,11 +15400,7 @@
             </a:pPr>
             <a:r>
               <a:rPr lang="en-US" b="1" dirty="0" smtClean="0"/>
-              <a:t>5. </a:t>
-            </a:r>
-            <a:r>
-              <a:rPr lang="en-US" b="1" dirty="0" smtClean="0"/>
-              <a:t>Implementable Metadata </a:t>
+              <a:t>5. Implementable Metadata </a:t>
             </a:r>
             <a:r>
               <a:rPr lang="en-US" b="1" dirty="0"/>
@@ -15727,23 +15537,7 @@
                   <a:srgbClr val="C00000"/>
                 </a:solidFill>
               </a:rPr>
-              <a:t>etadata </a:t>
-            </a:r>
-            <a:r>
-              <a:rPr lang="en-US" sz="2900" dirty="0" smtClean="0">
-                <a:solidFill>
-                  <a:srgbClr val="C00000"/>
-                </a:solidFill>
-              </a:rPr>
-              <a:t>Model straw man proposals </a:t>
-            </a:r>
-            <a:r>
-              <a:rPr lang="en-US" sz="2900" dirty="0" smtClean="0">
-                <a:solidFill>
-                  <a:srgbClr val="C00000"/>
-                </a:solidFill>
-              </a:rPr>
-              <a:t>(below)</a:t>
+              <a:t>etadata Model straw man proposals (below)</a:t>
             </a:r>
             <a:endParaRPr lang="en-US" sz="3200" dirty="0">
               <a:solidFill>

--- a/docs/6-18-15 Experimental Metadata Concepts and Models.pptx
+++ b/docs/6-18-15 Experimental Metadata Concepts and Models.pptx
@@ -217,7 +217,7 @@
           <a:p>
             <a:fld id="{71AD69D2-EED3-4E08-8DD5-CB0E9BE5F784}" type="datetimeFigureOut">
               <a:rPr lang="en-US" smtClean="0"/>
-              <a:t>6/24/2015</a:t>
+              <a:t>7/17/2015</a:t>
             </a:fld>
             <a:endParaRPr lang="en-US"/>
           </a:p>
@@ -4102,7 +4102,7 @@
           <a:p>
             <a:fld id="{0FEFD010-BDE6-4174-AF26-08349E6F5D9F}" type="datetimeFigureOut">
               <a:rPr lang="en-US" smtClean="0"/>
-              <a:t>6/24/2015</a:t>
+              <a:t>7/17/2015</a:t>
             </a:fld>
             <a:endParaRPr lang="en-US"/>
           </a:p>
@@ -4272,7 +4272,7 @@
           <a:p>
             <a:fld id="{0FEFD010-BDE6-4174-AF26-08349E6F5D9F}" type="datetimeFigureOut">
               <a:rPr lang="en-US" smtClean="0"/>
-              <a:t>6/24/2015</a:t>
+              <a:t>7/17/2015</a:t>
             </a:fld>
             <a:endParaRPr lang="en-US"/>
           </a:p>
@@ -4452,7 +4452,7 @@
           <a:p>
             <a:fld id="{0FEFD010-BDE6-4174-AF26-08349E6F5D9F}" type="datetimeFigureOut">
               <a:rPr lang="en-US" smtClean="0"/>
-              <a:t>6/24/2015</a:t>
+              <a:t>7/17/2015</a:t>
             </a:fld>
             <a:endParaRPr lang="en-US"/>
           </a:p>
@@ -4622,7 +4622,7 @@
           <a:p>
             <a:fld id="{0FEFD010-BDE6-4174-AF26-08349E6F5D9F}" type="datetimeFigureOut">
               <a:rPr lang="en-US" smtClean="0"/>
-              <a:t>6/24/2015</a:t>
+              <a:t>7/17/2015</a:t>
             </a:fld>
             <a:endParaRPr lang="en-US"/>
           </a:p>
@@ -4868,7 +4868,7 @@
           <a:p>
             <a:fld id="{0FEFD010-BDE6-4174-AF26-08349E6F5D9F}" type="datetimeFigureOut">
               <a:rPr lang="en-US" smtClean="0"/>
-              <a:t>6/24/2015</a:t>
+              <a:t>7/17/2015</a:t>
             </a:fld>
             <a:endParaRPr lang="en-US"/>
           </a:p>
@@ -5156,7 +5156,7 @@
           <a:p>
             <a:fld id="{0FEFD010-BDE6-4174-AF26-08349E6F5D9F}" type="datetimeFigureOut">
               <a:rPr lang="en-US" smtClean="0"/>
-              <a:t>6/24/2015</a:t>
+              <a:t>7/17/2015</a:t>
             </a:fld>
             <a:endParaRPr lang="en-US"/>
           </a:p>
@@ -5578,7 +5578,7 @@
           <a:p>
             <a:fld id="{0FEFD010-BDE6-4174-AF26-08349E6F5D9F}" type="datetimeFigureOut">
               <a:rPr lang="en-US" smtClean="0"/>
-              <a:t>6/24/2015</a:t>
+              <a:t>7/17/2015</a:t>
             </a:fld>
             <a:endParaRPr lang="en-US"/>
           </a:p>
@@ -5696,7 +5696,7 @@
           <a:p>
             <a:fld id="{0FEFD010-BDE6-4174-AF26-08349E6F5D9F}" type="datetimeFigureOut">
               <a:rPr lang="en-US" smtClean="0"/>
-              <a:t>6/24/2015</a:t>
+              <a:t>7/17/2015</a:t>
             </a:fld>
             <a:endParaRPr lang="en-US"/>
           </a:p>
@@ -5791,7 +5791,7 @@
           <a:p>
             <a:fld id="{0FEFD010-BDE6-4174-AF26-08349E6F5D9F}" type="datetimeFigureOut">
               <a:rPr lang="en-US" smtClean="0"/>
-              <a:t>6/24/2015</a:t>
+              <a:t>7/17/2015</a:t>
             </a:fld>
             <a:endParaRPr lang="en-US"/>
           </a:p>
@@ -6068,7 +6068,7 @@
           <a:p>
             <a:fld id="{0FEFD010-BDE6-4174-AF26-08349E6F5D9F}" type="datetimeFigureOut">
               <a:rPr lang="en-US" smtClean="0"/>
-              <a:t>6/24/2015</a:t>
+              <a:t>7/17/2015</a:t>
             </a:fld>
             <a:endParaRPr lang="en-US"/>
           </a:p>
@@ -6321,7 +6321,7 @@
           <a:p>
             <a:fld id="{0FEFD010-BDE6-4174-AF26-08349E6F5D9F}" type="datetimeFigureOut">
               <a:rPr lang="en-US" smtClean="0"/>
-              <a:t>6/24/2015</a:t>
+              <a:t>7/17/2015</a:t>
             </a:fld>
             <a:endParaRPr lang="en-US"/>
           </a:p>
@@ -6534,7 +6534,7 @@
           <a:p>
             <a:fld id="{0FEFD010-BDE6-4174-AF26-08349E6F5D9F}" type="datetimeFigureOut">
               <a:rPr lang="en-US" smtClean="0"/>
-              <a:t>6/24/2015</a:t>
+              <a:t>7/17/2015</a:t>
             </a:fld>
             <a:endParaRPr lang="en-US"/>
           </a:p>
@@ -7566,15 +7566,7 @@
             </a:pPr>
             <a:r>
               <a:rPr lang="en-US" sz="2400" dirty="0" smtClean="0"/>
-              <a:t>(Same </a:t>
-            </a:r>
-            <a:r>
-              <a:rPr lang="en-US" sz="2400" dirty="0" smtClean="0"/>
-              <a:t>concepts </a:t>
-            </a:r>
-            <a:r>
-              <a:rPr lang="en-US" sz="2400" dirty="0" smtClean="0"/>
-              <a:t>organized to optimize </a:t>
+              <a:t>(Same concepts organized to optimize </a:t>
             </a:r>
             <a:r>
               <a:rPr lang="en-US" sz="2400" dirty="0"/>
@@ -9124,11 +9116,7 @@
           <a:p>
             <a:r>
               <a:rPr lang="en-US" dirty="0" smtClean="0"/>
-              <a:t>Model </a:t>
-            </a:r>
-            <a:r>
-              <a:rPr lang="en-US" dirty="0" smtClean="0"/>
-              <a:t>Walk-Through</a:t>
+              <a:t>Model Walk-Through</a:t>
             </a:r>
             <a:endParaRPr lang="en-US" dirty="0"/>
           </a:p>
@@ -11254,15 +11242,7 @@
             </a:pPr>
             <a:r>
               <a:rPr lang="en-US" dirty="0" smtClean="0"/>
-              <a:t>Be </a:t>
-            </a:r>
-            <a:r>
-              <a:rPr lang="en-US" dirty="0" smtClean="0"/>
-              <a:t>matured </a:t>
-            </a:r>
-            <a:r>
-              <a:rPr lang="en-US" dirty="0" smtClean="0"/>
-              <a:t>into a </a:t>
+              <a:t>Be matured into a </a:t>
             </a:r>
             <a:r>
               <a:rPr lang="en-US" dirty="0"/>
@@ -14144,11 +14124,7 @@
             </a:pPr>
             <a:r>
               <a:rPr lang="en-US" sz="2400" b="1" dirty="0" smtClean="0"/>
-              <a:t>Relatively flat, </a:t>
-            </a:r>
-            <a:r>
-              <a:rPr lang="en-US" sz="2400" b="1" dirty="0" smtClean="0"/>
-              <a:t>majority of elements are domain neutral.</a:t>
+              <a:t>Relatively flat, majority of elements are domain neutral.</a:t>
             </a:r>
           </a:p>
           <a:p>
@@ -14163,15 +14139,7 @@
             </a:r>
             <a:r>
               <a:rPr lang="en-US" sz="2400" b="1" dirty="0" smtClean="0"/>
-              <a:t>use and </a:t>
-            </a:r>
-            <a:r>
-              <a:rPr lang="en-US" sz="2400" b="1" dirty="0" smtClean="0"/>
-              <a:t>specifications </a:t>
-            </a:r>
-            <a:r>
-              <a:rPr lang="en-US" sz="2400" b="1" dirty="0" smtClean="0"/>
-              <a:t>to follow</a:t>
+              <a:t>use and specifications to follow</a:t>
             </a:r>
           </a:p>
           <a:p>
@@ -15013,17 +14981,7 @@
                 <a:latin typeface="Courier New" panose="02070309020205020404" pitchFamily="49" charset="0"/>
                 <a:cs typeface="Courier New" panose="02070309020205020404" pitchFamily="49" charset="0"/>
               </a:rPr>
-              <a:t>“Find datasets that measure the effect of chemical stress on </a:t>
-            </a:r>
-            <a:r>
-              <a:rPr lang="en-US" sz="2400" b="1" i="1" dirty="0" smtClean="0">
-                <a:solidFill>
-                  <a:srgbClr val="00B050"/>
-                </a:solidFill>
-                <a:latin typeface="Courier New" panose="02070309020205020404" pitchFamily="49" charset="0"/>
-                <a:cs typeface="Courier New" panose="02070309020205020404" pitchFamily="49" charset="0"/>
-              </a:rPr>
-              <a:t>neural activity in zebrafish”</a:t>
+              <a:t>“Find datasets that measure the effect of chemical stress on neural activity in zebrafish”</a:t>
             </a:r>
             <a:endParaRPr lang="en-US" sz="2400" b="1" i="1" dirty="0">
               <a:solidFill>
@@ -15132,15 +15090,7 @@
                   <a:srgbClr val="CA3202"/>
                 </a:solidFill>
               </a:rPr>
-              <a:t>coped or Structured for </a:t>
-            </a:r>
-            <a:r>
-              <a:rPr lang="en-US" sz="3000" b="1" i="1" dirty="0" smtClean="0">
-                <a:solidFill>
-                  <a:srgbClr val="CA3202"/>
-                </a:solidFill>
-              </a:rPr>
-              <a:t>Our Discovery </a:t>
+              <a:t>coped or Structured for Our Discovery </a:t>
             </a:r>
             <a:r>
               <a:rPr lang="en-US" sz="3000" b="1" i="1" dirty="0">
@@ -15286,11 +15236,11 @@
             </a:r>
             <a:r>
               <a:rPr lang="en-US" dirty="0" smtClean="0"/>
-              <a:t>and the </a:t>
+              <a:t>as is the RDF </a:t>
             </a:r>
             <a:r>
               <a:rPr lang="en-US" dirty="0" smtClean="0"/>
-              <a:t>RDF translation of their model </a:t>
+              <a:t>translation of their model </a:t>
             </a:r>
             <a:r>
               <a:rPr lang="en-US" dirty="0"/>
@@ -15302,7 +15252,7 @@
             </a:r>
             <a:r>
               <a:rPr lang="en-US" dirty="0" smtClean="0"/>
-              <a:t>is not fully developed.</a:t>
+              <a:t>.</a:t>
             </a:r>
             <a:endParaRPr lang="en-US" dirty="0"/>
           </a:p>
@@ -15421,7 +15371,31 @@
                   <a:srgbClr val="C00000"/>
                 </a:solidFill>
               </a:rPr>
-              <a:t>None fit the bill with respect to scope</a:t>
+              <a:t>None </a:t>
+            </a:r>
+            <a:r>
+              <a:rPr lang="en-US" sz="2400" b="1" dirty="0" smtClean="0">
+                <a:solidFill>
+                  <a:srgbClr val="C00000"/>
+                </a:solidFill>
+              </a:rPr>
+              <a:t>meet our needs w.r.t.</a:t>
+            </a:r>
+            <a:r>
+              <a:rPr lang="en-US" sz="2400" b="1" dirty="0" smtClean="0">
+                <a:solidFill>
+                  <a:srgbClr val="C00000"/>
+                </a:solidFill>
+              </a:rPr>
+              <a:t> </a:t>
+            </a:r>
+            <a:r>
+              <a:rPr lang="en-US" sz="2400" b="1" dirty="0" smtClean="0">
+                <a:solidFill>
+                  <a:srgbClr val="C00000"/>
+                </a:solidFill>
+              </a:rPr>
+              <a:t>scope</a:t>
             </a:r>
             <a:r>
               <a:rPr lang="en-US" sz="2400" b="1" dirty="0">
@@ -15429,8 +15403,21 @@
                   <a:srgbClr val="C00000"/>
                 </a:solidFill>
               </a:rPr>
-              <a:t>, complexity, focus, integration, and constraints on metadata specification.</a:t>
-            </a:r>
+              <a:t>, complexity, focus, integration, and constraints on metadata </a:t>
+            </a:r>
+            <a:r>
+              <a:rPr lang="en-US" sz="2400" b="1" dirty="0" smtClean="0">
+                <a:solidFill>
+                  <a:srgbClr val="C00000"/>
+                </a:solidFill>
+              </a:rPr>
+              <a:t>specification</a:t>
+            </a:r>
+            <a:endParaRPr lang="en-US" sz="2400" b="1" dirty="0">
+              <a:solidFill>
+                <a:srgbClr val="C00000"/>
+              </a:solidFill>
+            </a:endParaRPr>
           </a:p>
         </p:txBody>
       </p:sp>

--- a/docs/6-18-15 Experimental Metadata Concepts and Models.pptx
+++ b/docs/6-18-15 Experimental Metadata Concepts and Models.pptx
@@ -217,7 +217,7 @@
           <a:p>
             <a:fld id="{71AD69D2-EED3-4E08-8DD5-CB0E9BE5F784}" type="datetimeFigureOut">
               <a:rPr lang="en-US" smtClean="0"/>
-              <a:t>7/17/2015</a:t>
+              <a:t>8/6/2015</a:t>
             </a:fld>
             <a:endParaRPr lang="en-US"/>
           </a:p>
@@ -4102,7 +4102,7 @@
           <a:p>
             <a:fld id="{0FEFD010-BDE6-4174-AF26-08349E6F5D9F}" type="datetimeFigureOut">
               <a:rPr lang="en-US" smtClean="0"/>
-              <a:t>7/17/2015</a:t>
+              <a:t>8/6/2015</a:t>
             </a:fld>
             <a:endParaRPr lang="en-US"/>
           </a:p>
@@ -4272,7 +4272,7 @@
           <a:p>
             <a:fld id="{0FEFD010-BDE6-4174-AF26-08349E6F5D9F}" type="datetimeFigureOut">
               <a:rPr lang="en-US" smtClean="0"/>
-              <a:t>7/17/2015</a:t>
+              <a:t>8/6/2015</a:t>
             </a:fld>
             <a:endParaRPr lang="en-US"/>
           </a:p>
@@ -4452,7 +4452,7 @@
           <a:p>
             <a:fld id="{0FEFD010-BDE6-4174-AF26-08349E6F5D9F}" type="datetimeFigureOut">
               <a:rPr lang="en-US" smtClean="0"/>
-              <a:t>7/17/2015</a:t>
+              <a:t>8/6/2015</a:t>
             </a:fld>
             <a:endParaRPr lang="en-US"/>
           </a:p>
@@ -4622,7 +4622,7 @@
           <a:p>
             <a:fld id="{0FEFD010-BDE6-4174-AF26-08349E6F5D9F}" type="datetimeFigureOut">
               <a:rPr lang="en-US" smtClean="0"/>
-              <a:t>7/17/2015</a:t>
+              <a:t>8/6/2015</a:t>
             </a:fld>
             <a:endParaRPr lang="en-US"/>
           </a:p>
@@ -4868,7 +4868,7 @@
           <a:p>
             <a:fld id="{0FEFD010-BDE6-4174-AF26-08349E6F5D9F}" type="datetimeFigureOut">
               <a:rPr lang="en-US" smtClean="0"/>
-              <a:t>7/17/2015</a:t>
+              <a:t>8/6/2015</a:t>
             </a:fld>
             <a:endParaRPr lang="en-US"/>
           </a:p>
@@ -5156,7 +5156,7 @@
           <a:p>
             <a:fld id="{0FEFD010-BDE6-4174-AF26-08349E6F5D9F}" type="datetimeFigureOut">
               <a:rPr lang="en-US" smtClean="0"/>
-              <a:t>7/17/2015</a:t>
+              <a:t>8/6/2015</a:t>
             </a:fld>
             <a:endParaRPr lang="en-US"/>
           </a:p>
@@ -5578,7 +5578,7 @@
           <a:p>
             <a:fld id="{0FEFD010-BDE6-4174-AF26-08349E6F5D9F}" type="datetimeFigureOut">
               <a:rPr lang="en-US" smtClean="0"/>
-              <a:t>7/17/2015</a:t>
+              <a:t>8/6/2015</a:t>
             </a:fld>
             <a:endParaRPr lang="en-US"/>
           </a:p>
@@ -5696,7 +5696,7 @@
           <a:p>
             <a:fld id="{0FEFD010-BDE6-4174-AF26-08349E6F5D9F}" type="datetimeFigureOut">
               <a:rPr lang="en-US" smtClean="0"/>
-              <a:t>7/17/2015</a:t>
+              <a:t>8/6/2015</a:t>
             </a:fld>
             <a:endParaRPr lang="en-US"/>
           </a:p>
@@ -5791,7 +5791,7 @@
           <a:p>
             <a:fld id="{0FEFD010-BDE6-4174-AF26-08349E6F5D9F}" type="datetimeFigureOut">
               <a:rPr lang="en-US" smtClean="0"/>
-              <a:t>7/17/2015</a:t>
+              <a:t>8/6/2015</a:t>
             </a:fld>
             <a:endParaRPr lang="en-US"/>
           </a:p>
@@ -6068,7 +6068,7 @@
           <a:p>
             <a:fld id="{0FEFD010-BDE6-4174-AF26-08349E6F5D9F}" type="datetimeFigureOut">
               <a:rPr lang="en-US" smtClean="0"/>
-              <a:t>7/17/2015</a:t>
+              <a:t>8/6/2015</a:t>
             </a:fld>
             <a:endParaRPr lang="en-US"/>
           </a:p>
@@ -6321,7 +6321,7 @@
           <a:p>
             <a:fld id="{0FEFD010-BDE6-4174-AF26-08349E6F5D9F}" type="datetimeFigureOut">
               <a:rPr lang="en-US" smtClean="0"/>
-              <a:t>7/17/2015</a:t>
+              <a:t>8/6/2015</a:t>
             </a:fld>
             <a:endParaRPr lang="en-US"/>
           </a:p>
@@ -6534,7 +6534,7 @@
           <a:p>
             <a:fld id="{0FEFD010-BDE6-4174-AF26-08349E6F5D9F}" type="datetimeFigureOut">
               <a:rPr lang="en-US" smtClean="0"/>
-              <a:t>7/17/2015</a:t>
+              <a:t>8/6/2015</a:t>
             </a:fld>
             <a:endParaRPr lang="en-US"/>
           </a:p>
@@ -6933,7 +6933,15 @@
           <a:p>
             <a:r>
               <a:rPr lang="en-US" sz="5400" b="1" dirty="0" smtClean="0"/>
-              <a:t>Toward an Experimental Metadata Model</a:t>
+              <a:t>Toward </a:t>
+            </a:r>
+            <a:r>
+              <a:rPr lang="en-US" sz="5400" b="1" dirty="0" smtClean="0"/>
+              <a:t>a Generic </a:t>
+            </a:r>
+            <a:r>
+              <a:rPr lang="en-US" sz="5400" b="1" dirty="0" smtClean="0"/>
+              <a:t>Experimental Metadata Model</a:t>
             </a:r>
             <a:endParaRPr lang="en-US" sz="5400" b="1" dirty="0"/>
           </a:p>
@@ -6951,7 +6959,7 @@
         </p:nvSpPr>
         <p:spPr>
           <a:xfrm>
-            <a:off x="1371600" y="3279775"/>
+            <a:off x="1371600" y="3733800"/>
             <a:ext cx="6400800" cy="1752600"/>
           </a:xfrm>
         </p:spPr>
@@ -15232,15 +15240,7 @@
             </a:r>
             <a:r>
               <a:rPr lang="en-US" dirty="0" smtClean="0"/>
-              <a:t>, </a:t>
-            </a:r>
-            <a:r>
-              <a:rPr lang="en-US" dirty="0" smtClean="0"/>
-              <a:t>as is the RDF </a:t>
-            </a:r>
-            <a:r>
-              <a:rPr lang="en-US" dirty="0" smtClean="0"/>
-              <a:t>translation of their model </a:t>
+              <a:t>, as is the RDF translation of their model </a:t>
             </a:r>
             <a:r>
               <a:rPr lang="en-US" dirty="0"/>
@@ -15248,11 +15248,7 @@
             </a:r>
             <a:r>
               <a:rPr lang="en-US" dirty="0" smtClean="0"/>
-              <a:t>publishing LOD </a:t>
-            </a:r>
-            <a:r>
-              <a:rPr lang="en-US" dirty="0" smtClean="0"/>
-              <a:t>.</a:t>
+              <a:t>publishing LOD .</a:t>
             </a:r>
             <a:endParaRPr lang="en-US" dirty="0"/>
           </a:p>
@@ -15371,31 +15367,7 @@
                   <a:srgbClr val="C00000"/>
                 </a:solidFill>
               </a:rPr>
-              <a:t>None </a:t>
-            </a:r>
-            <a:r>
-              <a:rPr lang="en-US" sz="2400" b="1" dirty="0" smtClean="0">
-                <a:solidFill>
-                  <a:srgbClr val="C00000"/>
-                </a:solidFill>
-              </a:rPr>
-              <a:t>meet our needs w.r.t.</a:t>
-            </a:r>
-            <a:r>
-              <a:rPr lang="en-US" sz="2400" b="1" dirty="0" smtClean="0">
-                <a:solidFill>
-                  <a:srgbClr val="C00000"/>
-                </a:solidFill>
-              </a:rPr>
-              <a:t> </a:t>
-            </a:r>
-            <a:r>
-              <a:rPr lang="en-US" sz="2400" b="1" dirty="0" smtClean="0">
-                <a:solidFill>
-                  <a:srgbClr val="C00000"/>
-                </a:solidFill>
-              </a:rPr>
-              <a:t>scope</a:t>
+              <a:t>None meet our needs w.r.t. scope</a:t>
             </a:r>
             <a:r>
               <a:rPr lang="en-US" sz="2400" b="1" dirty="0">
